--- a/מצגות שלי/1_JSON_AJAX.pptx
+++ b/מצגות שלי/1_JSON_AJAX.pptx
@@ -206,7 +206,7 @@
           <a:p>
             <a:fld id="{DB61B56B-0B29-D64D-9E6F-D7FA223C4525}" type="datetimeFigureOut">
               <a:rPr lang="en-US" smtClean="0"/>
-              <a:t>9/30/20</a:t>
+              <a:t>12/7/20</a:t>
             </a:fld>
             <a:endParaRPr lang="en-US"/>
           </a:p>
@@ -894,7 +894,7 @@
           <a:p>
             <a:fld id="{DC66D153-BDBD-3E43-964D-93602C96014B}" type="datetime1">
               <a:rPr lang="en-US" smtClean="0"/>
-              <a:t>9/30/20</a:t>
+              <a:t>12/7/20</a:t>
             </a:fld>
             <a:endParaRPr lang="en-US"/>
           </a:p>
@@ -1092,7 +1092,7 @@
           <a:p>
             <a:fld id="{52A01DAB-37FD-1942-BD38-729B64094AF4}" type="datetime1">
               <a:rPr lang="en-US" smtClean="0"/>
-              <a:t>9/30/20</a:t>
+              <a:t>12/7/20</a:t>
             </a:fld>
             <a:endParaRPr lang="en-US"/>
           </a:p>
@@ -1300,7 +1300,7 @@
           <a:p>
             <a:fld id="{C29B71DE-7627-7A49-8EFE-2B3DBC8B5B72}" type="datetime1">
               <a:rPr lang="en-US" smtClean="0"/>
-              <a:t>9/30/20</a:t>
+              <a:t>12/7/20</a:t>
             </a:fld>
             <a:endParaRPr lang="en-US"/>
           </a:p>
@@ -1498,7 +1498,7 @@
           <a:p>
             <a:fld id="{E8F6C1A9-C061-D244-98CA-0221257B5EC6}" type="datetime1">
               <a:rPr lang="en-US" smtClean="0"/>
-              <a:t>9/30/20</a:t>
+              <a:t>12/7/20</a:t>
             </a:fld>
             <a:endParaRPr lang="en-US"/>
           </a:p>
@@ -1773,7 +1773,7 @@
           <a:p>
             <a:fld id="{6E8E8DAC-56EF-C34D-B0CB-D7429B276CF2}" type="datetime1">
               <a:rPr lang="en-US" smtClean="0"/>
-              <a:t>9/30/20</a:t>
+              <a:t>12/7/20</a:t>
             </a:fld>
             <a:endParaRPr lang="en-US"/>
           </a:p>
@@ -2038,7 +2038,7 @@
           <a:p>
             <a:fld id="{A7A6EF35-8DAE-DA4A-815A-568619C966EF}" type="datetime1">
               <a:rPr lang="en-US" smtClean="0"/>
-              <a:t>9/30/20</a:t>
+              <a:t>12/7/20</a:t>
             </a:fld>
             <a:endParaRPr lang="en-US"/>
           </a:p>
@@ -2450,7 +2450,7 @@
           <a:p>
             <a:fld id="{04EAF8D9-5A2C-DD49-BA71-176BD45F86B5}" type="datetime1">
               <a:rPr lang="en-US" smtClean="0"/>
-              <a:t>9/30/20</a:t>
+              <a:t>12/7/20</a:t>
             </a:fld>
             <a:endParaRPr lang="en-US"/>
           </a:p>
@@ -2591,7 +2591,7 @@
           <a:p>
             <a:fld id="{9DF36F94-3679-3F46-BDE4-6231888E34C6}" type="datetime1">
               <a:rPr lang="en-US" smtClean="0"/>
-              <a:t>9/30/20</a:t>
+              <a:t>12/7/20</a:t>
             </a:fld>
             <a:endParaRPr lang="en-US"/>
           </a:p>
@@ -2704,7 +2704,7 @@
           <a:p>
             <a:fld id="{CD13A257-D819-C649-BDAB-74DD02911C03}" type="datetime1">
               <a:rPr lang="en-US" smtClean="0"/>
-              <a:t>9/30/20</a:t>
+              <a:t>12/7/20</a:t>
             </a:fld>
             <a:endParaRPr lang="en-US"/>
           </a:p>
@@ -3015,7 +3015,7 @@
           <a:p>
             <a:fld id="{92A1B08F-6481-C94C-B630-EE713146ABE6}" type="datetime1">
               <a:rPr lang="en-US" smtClean="0"/>
-              <a:t>9/30/20</a:t>
+              <a:t>12/7/20</a:t>
             </a:fld>
             <a:endParaRPr lang="en-US"/>
           </a:p>
@@ -3303,7 +3303,7 @@
           <a:p>
             <a:fld id="{784BEAAA-7433-6E41-886E-3C46FE0B4D00}" type="datetime1">
               <a:rPr lang="en-US" smtClean="0"/>
-              <a:t>9/30/20</a:t>
+              <a:t>12/7/20</a:t>
             </a:fld>
             <a:endParaRPr lang="en-US"/>
           </a:p>
@@ -3544,7 +3544,7 @@
           <a:p>
             <a:fld id="{7EDBF514-57F8-8848-BEA5-97D19283C73C}" type="datetime1">
               <a:rPr lang="en-US" smtClean="0"/>
-              <a:t>9/30/20</a:t>
+              <a:t>12/7/20</a:t>
             </a:fld>
             <a:endParaRPr lang="en-US"/>
           </a:p>
@@ -15084,7 +15084,9 @@
         </p:nvSpPr>
         <p:spPr/>
         <p:txBody>
-          <a:bodyPr/>
+          <a:bodyPr>
+            <a:normAutofit lnSpcReduction="10000"/>
+          </a:bodyPr>
           <a:lstStyle/>
           <a:p>
             <a:pPr marL="228600" indent="-228600" algn="r" defTabSz="914400" rtl="1" eaLnBrk="1" latinLnBrk="0" hangingPunct="1">
@@ -15306,6 +15308,101 @@
             <a:r>
               <a:rPr lang="en-US" sz="2000" dirty="0"/>
               <a:t>(err));</a:t>
+            </a:r>
+          </a:p>
+          <a:p>
+            <a:pPr marL="0" indent="0">
+              <a:buNone/>
+            </a:pPr>
+            <a:r>
+              <a:rPr lang="en-US" sz="2000" dirty="0">
+                <a:solidFill>
+                  <a:schemeClr val="bg2">
+                    <a:lumMod val="50000"/>
+                  </a:schemeClr>
+                </a:solidFill>
+              </a:rPr>
+              <a:t>(</a:t>
+            </a:r>
+            <a:r>
+              <a:rPr lang="en-US" sz="2000" dirty="0" err="1">
+                <a:solidFill>
+                  <a:schemeClr val="bg2">
+                    <a:lumMod val="50000"/>
+                  </a:schemeClr>
+                </a:solidFill>
+              </a:rPr>
+              <a:t>url</a:t>
+            </a:r>
+            <a:r>
+              <a:rPr lang="en-US" sz="2000" dirty="0">
+                <a:solidFill>
+                  <a:schemeClr val="bg2">
+                    <a:lumMod val="50000"/>
+                  </a:schemeClr>
+                </a:solidFill>
+              </a:rPr>
+              <a:t> we will use: https://</a:t>
+            </a:r>
+            <a:r>
+              <a:rPr lang="en-US" sz="2000" dirty="0" err="1">
+                <a:solidFill>
+                  <a:schemeClr val="bg2">
+                    <a:lumMod val="50000"/>
+                  </a:schemeClr>
+                </a:solidFill>
+              </a:rPr>
+              <a:t>reqres.in</a:t>
+            </a:r>
+            <a:r>
+              <a:rPr lang="en-US" sz="2000" dirty="0">
+                <a:solidFill>
+                  <a:schemeClr val="bg2">
+                    <a:lumMod val="50000"/>
+                  </a:schemeClr>
+                </a:solidFill>
+              </a:rPr>
+              <a:t>/</a:t>
+            </a:r>
+            <a:r>
+              <a:rPr lang="en-US" sz="2000" dirty="0" err="1">
+                <a:solidFill>
+                  <a:schemeClr val="bg2">
+                    <a:lumMod val="50000"/>
+                  </a:schemeClr>
+                </a:solidFill>
+              </a:rPr>
+              <a:t>api</a:t>
+            </a:r>
+            <a:r>
+              <a:rPr lang="en-US" sz="2000" dirty="0">
+                <a:solidFill>
+                  <a:schemeClr val="bg2">
+                    <a:lumMod val="50000"/>
+                  </a:schemeClr>
+                </a:solidFill>
+              </a:rPr>
+              <a:t>/</a:t>
+            </a:r>
+            <a:r>
+              <a:rPr lang="en-US" sz="2000" dirty="0" err="1">
+                <a:solidFill>
+                  <a:schemeClr val="bg2">
+                    <a:lumMod val="50000"/>
+                  </a:schemeClr>
+                </a:solidFill>
+              </a:rPr>
+              <a:t>users?page</a:t>
+            </a:r>
+            <a:r>
+              <a:rPr lang="en-US" sz="2000" dirty="0">
+                <a:solidFill>
+                  <a:schemeClr val="bg2">
+                    <a:lumMod val="50000"/>
+                  </a:schemeClr>
+                </a:solidFill>
+              </a:rPr>
+              <a:t>=2)</a:t>
             </a:r>
           </a:p>
         </p:txBody>

--- a/מצגות שלי/1_JSON_AJAX.pptx
+++ b/מצגות שלי/1_JSON_AJAX.pptx
@@ -5,19 +5,20 @@
     <p:sldMasterId id="2147483648" r:id="rId1"/>
   </p:sldMasterIdLst>
   <p:notesMasterIdLst>
-    <p:notesMasterId r:id="rId12"/>
+    <p:notesMasterId r:id="rId13"/>
   </p:notesMasterIdLst>
   <p:sldIdLst>
-    <p:sldId id="256" r:id="rId2"/>
-    <p:sldId id="265" r:id="rId3"/>
-    <p:sldId id="266" r:id="rId4"/>
-    <p:sldId id="264" r:id="rId5"/>
-    <p:sldId id="257" r:id="rId6"/>
-    <p:sldId id="258" r:id="rId7"/>
-    <p:sldId id="260" r:id="rId8"/>
-    <p:sldId id="259" r:id="rId9"/>
-    <p:sldId id="261" r:id="rId10"/>
-    <p:sldId id="263" r:id="rId11"/>
+    <p:sldId id="267" r:id="rId2"/>
+    <p:sldId id="256" r:id="rId3"/>
+    <p:sldId id="265" r:id="rId4"/>
+    <p:sldId id="266" r:id="rId5"/>
+    <p:sldId id="264" r:id="rId6"/>
+    <p:sldId id="257" r:id="rId7"/>
+    <p:sldId id="258" r:id="rId8"/>
+    <p:sldId id="260" r:id="rId9"/>
+    <p:sldId id="259" r:id="rId10"/>
+    <p:sldId id="261" r:id="rId11"/>
+    <p:sldId id="263" r:id="rId12"/>
   </p:sldIdLst>
   <p:sldSz cx="12192000" cy="6858000"/>
   <p:notesSz cx="6858000" cy="9144000"/>
@@ -206,7 +207,7 @@
           <a:p>
             <a:fld id="{DB61B56B-0B29-D64D-9E6F-D7FA223C4525}" type="datetimeFigureOut">
               <a:rPr lang="en-US" smtClean="0"/>
-              <a:t>12/7/20</a:t>
+              <a:t>4/27/21</a:t>
             </a:fld>
             <a:endParaRPr lang="en-US"/>
           </a:p>
@@ -539,7 +540,7 @@
           <a:p>
             <a:fld id="{381FC0BC-1138-7643-8EAF-7F93E06CB4CD}" type="slidenum">
               <a:rPr lang="en-US" smtClean="0"/>
-              <a:t>2</a:t>
+              <a:t>3</a:t>
             </a:fld>
             <a:endParaRPr lang="en-US"/>
           </a:p>
@@ -624,7 +625,7 @@
           <a:p>
             <a:fld id="{381FC0BC-1138-7643-8EAF-7F93E06CB4CD}" type="slidenum">
               <a:rPr lang="en-US" smtClean="0"/>
-              <a:t>3</a:t>
+              <a:t>4</a:t>
             </a:fld>
             <a:endParaRPr lang="en-US"/>
           </a:p>
@@ -728,7 +729,7 @@
           <a:p>
             <a:fld id="{381FC0BC-1138-7643-8EAF-7F93E06CB4CD}" type="slidenum">
               <a:rPr lang="en-US" smtClean="0"/>
-              <a:t>5</a:t>
+              <a:t>6</a:t>
             </a:fld>
             <a:endParaRPr lang="en-US"/>
           </a:p>
@@ -894,7 +895,7 @@
           <a:p>
             <a:fld id="{DC66D153-BDBD-3E43-964D-93602C96014B}" type="datetime1">
               <a:rPr lang="en-US" smtClean="0"/>
-              <a:t>12/7/20</a:t>
+              <a:t>4/27/21</a:t>
             </a:fld>
             <a:endParaRPr lang="en-US"/>
           </a:p>
@@ -1092,7 +1093,7 @@
           <a:p>
             <a:fld id="{52A01DAB-37FD-1942-BD38-729B64094AF4}" type="datetime1">
               <a:rPr lang="en-US" smtClean="0"/>
-              <a:t>12/7/20</a:t>
+              <a:t>4/27/21</a:t>
             </a:fld>
             <a:endParaRPr lang="en-US"/>
           </a:p>
@@ -1300,7 +1301,7 @@
           <a:p>
             <a:fld id="{C29B71DE-7627-7A49-8EFE-2B3DBC8B5B72}" type="datetime1">
               <a:rPr lang="en-US" smtClean="0"/>
-              <a:t>12/7/20</a:t>
+              <a:t>4/27/21</a:t>
             </a:fld>
             <a:endParaRPr lang="en-US"/>
           </a:p>
@@ -1498,7 +1499,7 @@
           <a:p>
             <a:fld id="{E8F6C1A9-C061-D244-98CA-0221257B5EC6}" type="datetime1">
               <a:rPr lang="en-US" smtClean="0"/>
-              <a:t>12/7/20</a:t>
+              <a:t>4/27/21</a:t>
             </a:fld>
             <a:endParaRPr lang="en-US"/>
           </a:p>
@@ -1773,7 +1774,7 @@
           <a:p>
             <a:fld id="{6E8E8DAC-56EF-C34D-B0CB-D7429B276CF2}" type="datetime1">
               <a:rPr lang="en-US" smtClean="0"/>
-              <a:t>12/7/20</a:t>
+              <a:t>4/27/21</a:t>
             </a:fld>
             <a:endParaRPr lang="en-US"/>
           </a:p>
@@ -2038,7 +2039,7 @@
           <a:p>
             <a:fld id="{A7A6EF35-8DAE-DA4A-815A-568619C966EF}" type="datetime1">
               <a:rPr lang="en-US" smtClean="0"/>
-              <a:t>12/7/20</a:t>
+              <a:t>4/27/21</a:t>
             </a:fld>
             <a:endParaRPr lang="en-US"/>
           </a:p>
@@ -2450,7 +2451,7 @@
           <a:p>
             <a:fld id="{04EAF8D9-5A2C-DD49-BA71-176BD45F86B5}" type="datetime1">
               <a:rPr lang="en-US" smtClean="0"/>
-              <a:t>12/7/20</a:t>
+              <a:t>4/27/21</a:t>
             </a:fld>
             <a:endParaRPr lang="en-US"/>
           </a:p>
@@ -2591,7 +2592,7 @@
           <a:p>
             <a:fld id="{9DF36F94-3679-3F46-BDE4-6231888E34C6}" type="datetime1">
               <a:rPr lang="en-US" smtClean="0"/>
-              <a:t>12/7/20</a:t>
+              <a:t>4/27/21</a:t>
             </a:fld>
             <a:endParaRPr lang="en-US"/>
           </a:p>
@@ -2704,7 +2705,7 @@
           <a:p>
             <a:fld id="{CD13A257-D819-C649-BDAB-74DD02911C03}" type="datetime1">
               <a:rPr lang="en-US" smtClean="0"/>
-              <a:t>12/7/20</a:t>
+              <a:t>4/27/21</a:t>
             </a:fld>
             <a:endParaRPr lang="en-US"/>
           </a:p>
@@ -3015,7 +3016,7 @@
           <a:p>
             <a:fld id="{92A1B08F-6481-C94C-B630-EE713146ABE6}" type="datetime1">
               <a:rPr lang="en-US" smtClean="0"/>
-              <a:t>12/7/20</a:t>
+              <a:t>4/27/21</a:t>
             </a:fld>
             <a:endParaRPr lang="en-US"/>
           </a:p>
@@ -3303,7 +3304,7 @@
           <a:p>
             <a:fld id="{784BEAAA-7433-6E41-886E-3C46FE0B4D00}" type="datetime1">
               <a:rPr lang="en-US" smtClean="0"/>
-              <a:t>12/7/20</a:t>
+              <a:t>4/27/21</a:t>
             </a:fld>
             <a:endParaRPr lang="en-US"/>
           </a:p>
@@ -3544,7 +3545,7 @@
           <a:p>
             <a:fld id="{7EDBF514-57F8-8848-BEA5-97D19283C73C}" type="datetime1">
               <a:rPr lang="en-US" smtClean="0"/>
-              <a:t>12/7/20</a:t>
+              <a:t>4/27/21</a:t>
             </a:fld>
             <a:endParaRPr lang="en-US"/>
           </a:p>
@@ -3948,6 +3949,982 @@
 <file path=ppt/slides/slide1.xml><?xml version="1.0" encoding="utf-8"?>
 <p:sld xmlns:a="http://schemas.openxmlformats.org/drawingml/2006/main" xmlns:r="http://schemas.openxmlformats.org/officeDocument/2006/relationships" xmlns:p="http://schemas.openxmlformats.org/presentationml/2006/main">
   <p:cSld>
+    <p:spTree>
+      <p:nvGrpSpPr>
+        <p:cNvPr id="1" name=""/>
+        <p:cNvGrpSpPr/>
+        <p:nvPr/>
+      </p:nvGrpSpPr>
+      <p:grpSpPr>
+        <a:xfrm>
+          <a:off x="0" y="0"/>
+          <a:ext cx="0" cy="0"/>
+          <a:chOff x="0" y="0"/>
+          <a:chExt cx="0" cy="0"/>
+        </a:xfrm>
+      </p:grpSpPr>
+      <p:sp>
+        <p:nvSpPr>
+          <p:cNvPr id="2" name="Title 1">
+            <a:extLst>
+              <a:ext uri="{FF2B5EF4-FFF2-40B4-BE49-F238E27FC236}">
+                <a16:creationId xmlns:a16="http://schemas.microsoft.com/office/drawing/2014/main" id="{BD0FB566-0376-A341-BA47-4BE32BE2C94D}"/>
+              </a:ext>
+            </a:extLst>
+          </p:cNvPr>
+          <p:cNvSpPr>
+            <a:spLocks noGrp="1"/>
+          </p:cNvSpPr>
+          <p:nvPr>
+            <p:ph type="ctrTitle"/>
+          </p:nvPr>
+        </p:nvSpPr>
+        <p:spPr>
+          <a:xfrm>
+            <a:off x="3371787" y="1741337"/>
+            <a:ext cx="5448730" cy="2387918"/>
+          </a:xfrm>
+        </p:spPr>
+        <p:txBody>
+          <a:bodyPr anchor="b">
+            <a:normAutofit/>
+          </a:bodyPr>
+          <a:lstStyle/>
+          <a:p>
+            <a:pPr defTabSz="914400" rtl="1" eaLnBrk="1" latinLnBrk="0" hangingPunct="1">
+              <a:spcBef>
+                <a:spcPct val="0"/>
+              </a:spcBef>
+              <a:buNone/>
+            </a:pPr>
+            <a:r>
+              <a:rPr lang="he-IL" sz="5200" dirty="0">
+                <a:solidFill>
+                  <a:schemeClr val="tx2"/>
+                </a:solidFill>
+              </a:rPr>
+              <a:t>נתחיל ב14:10</a:t>
+            </a:r>
+            <a:endParaRPr lang="en-US" sz="5200" dirty="0">
+              <a:solidFill>
+                <a:schemeClr val="tx2"/>
+              </a:solidFill>
+            </a:endParaRPr>
+          </a:p>
+        </p:txBody>
+      </p:sp>
+      <p:sp>
+        <p:nvSpPr>
+          <p:cNvPr id="3" name="Subtitle 2">
+            <a:extLst>
+              <a:ext uri="{FF2B5EF4-FFF2-40B4-BE49-F238E27FC236}">
+                <a16:creationId xmlns:a16="http://schemas.microsoft.com/office/drawing/2014/main" id="{C083ABFC-E2C0-3E4A-A396-6A6C1B671B70}"/>
+              </a:ext>
+            </a:extLst>
+          </p:cNvPr>
+          <p:cNvSpPr>
+            <a:spLocks noGrp="1"/>
+          </p:cNvSpPr>
+          <p:nvPr>
+            <p:ph type="subTitle" idx="1"/>
+          </p:nvPr>
+        </p:nvSpPr>
+        <p:spPr>
+          <a:xfrm>
+            <a:off x="3371161" y="4200522"/>
+            <a:ext cx="5449982" cy="682079"/>
+          </a:xfrm>
+        </p:spPr>
+        <p:txBody>
+          <a:bodyPr>
+            <a:normAutofit/>
+          </a:bodyPr>
+          <a:lstStyle/>
+          <a:p>
+            <a:endParaRPr lang="en-US" sz="1500" dirty="0">
+              <a:solidFill>
+                <a:schemeClr val="tx2"/>
+              </a:solidFill>
+            </a:endParaRPr>
+          </a:p>
+          <a:p>
+            <a:r>
+              <a:rPr lang="en-US" sz="1500" dirty="0">
+                <a:solidFill>
+                  <a:schemeClr val="tx2"/>
+                </a:solidFill>
+              </a:rPr>
+              <a:t>364-1-1381</a:t>
+            </a:r>
+          </a:p>
+        </p:txBody>
+      </p:sp>
+      <p:sp>
+        <p:nvSpPr>
+          <p:cNvPr id="4" name="Slide Number Placeholder 3">
+            <a:extLst>
+              <a:ext uri="{FF2B5EF4-FFF2-40B4-BE49-F238E27FC236}">
+                <a16:creationId xmlns:a16="http://schemas.microsoft.com/office/drawing/2014/main" id="{B038B5C5-4328-4C4D-A4BC-46A234D87EBB}"/>
+              </a:ext>
+            </a:extLst>
+          </p:cNvPr>
+          <p:cNvSpPr>
+            <a:spLocks noGrp="1"/>
+          </p:cNvSpPr>
+          <p:nvPr>
+            <p:ph type="sldNum" sz="quarter" idx="12"/>
+          </p:nvPr>
+        </p:nvSpPr>
+        <p:spPr/>
+        <p:txBody>
+          <a:bodyPr/>
+          <a:lstStyle/>
+          <a:p>
+            <a:fld id="{3381A582-B1E8-A44B-9521-B2DEED526DB7}" type="slidenum">
+              <a:rPr lang="en-US" smtClean="0"/>
+              <a:t>1</a:t>
+            </a:fld>
+            <a:endParaRPr lang="en-US"/>
+          </a:p>
+        </p:txBody>
+      </p:sp>
+    </p:spTree>
+    <p:extLst>
+      <p:ext uri="{BB962C8B-B14F-4D97-AF65-F5344CB8AC3E}">
+        <p14:creationId xmlns:p14="http://schemas.microsoft.com/office/powerpoint/2010/main" val="2859591084"/>
+      </p:ext>
+    </p:extLst>
+  </p:cSld>
+  <p:clrMapOvr>
+    <a:masterClrMapping/>
+  </p:clrMapOvr>
+</p:sld>
+</file>
+
+<file path=ppt/slides/slide10.xml><?xml version="1.0" encoding="utf-8"?>
+<p:sld xmlns:a="http://schemas.openxmlformats.org/drawingml/2006/main" xmlns:r="http://schemas.openxmlformats.org/officeDocument/2006/relationships" xmlns:p="http://schemas.openxmlformats.org/presentationml/2006/main">
+  <p:cSld>
+    <p:spTree>
+      <p:nvGrpSpPr>
+        <p:cNvPr id="1" name=""/>
+        <p:cNvGrpSpPr/>
+        <p:nvPr/>
+      </p:nvGrpSpPr>
+      <p:grpSpPr>
+        <a:xfrm>
+          <a:off x="0" y="0"/>
+          <a:ext cx="0" cy="0"/>
+          <a:chOff x="0" y="0"/>
+          <a:chExt cx="0" cy="0"/>
+        </a:xfrm>
+      </p:grpSpPr>
+      <p:sp>
+        <p:nvSpPr>
+          <p:cNvPr id="2" name="Title 1">
+            <a:extLst>
+              <a:ext uri="{FF2B5EF4-FFF2-40B4-BE49-F238E27FC236}">
+                <a16:creationId xmlns:a16="http://schemas.microsoft.com/office/drawing/2014/main" id="{AFE68ABF-CA48-744C-8CFB-869CD87532A4}"/>
+              </a:ext>
+            </a:extLst>
+          </p:cNvPr>
+          <p:cNvSpPr>
+            <a:spLocks noGrp="1"/>
+          </p:cNvSpPr>
+          <p:nvPr>
+            <p:ph type="title"/>
+          </p:nvPr>
+        </p:nvSpPr>
+        <p:spPr/>
+        <p:txBody>
+          <a:bodyPr/>
+          <a:lstStyle/>
+          <a:p>
+            <a:pPr algn="r" rtl="1"/>
+            <a:r>
+              <a:rPr lang="he-IL" dirty="0"/>
+              <a:t>דוגמא</a:t>
+            </a:r>
+            <a:r>
+              <a:rPr lang="en-US" dirty="0"/>
+              <a:t>  fetch </a:t>
+            </a:r>
+            <a:r>
+              <a:rPr lang="he-IL" dirty="0"/>
+              <a:t>– </a:t>
+            </a:r>
+            <a:r>
+              <a:rPr lang="he-IL" sz="2800" dirty="0"/>
+              <a:t>(</a:t>
+            </a:r>
+            <a:r>
+              <a:rPr lang="en-US" sz="2800" dirty="0" err="1"/>
+              <a:t>fetch_example.html</a:t>
+            </a:r>
+            <a:r>
+              <a:rPr lang="en-US" sz="2800" dirty="0"/>
+              <a:t> + </a:t>
+            </a:r>
+            <a:r>
+              <a:rPr lang="en-US" sz="2800" dirty="0" err="1"/>
+              <a:t>fetch_example.js</a:t>
+            </a:r>
+            <a:r>
+              <a:rPr lang="he-IL" sz="2800" dirty="0"/>
+              <a:t>)</a:t>
+            </a:r>
+            <a:endParaRPr lang="en-US" dirty="0"/>
+          </a:p>
+        </p:txBody>
+      </p:sp>
+      <p:sp>
+        <p:nvSpPr>
+          <p:cNvPr id="3" name="Content Placeholder 2">
+            <a:extLst>
+              <a:ext uri="{FF2B5EF4-FFF2-40B4-BE49-F238E27FC236}">
+                <a16:creationId xmlns:a16="http://schemas.microsoft.com/office/drawing/2014/main" id="{88C28032-DA4C-2D46-A882-BAD18F62C22F}"/>
+              </a:ext>
+            </a:extLst>
+          </p:cNvPr>
+          <p:cNvSpPr>
+            <a:spLocks noGrp="1"/>
+          </p:cNvSpPr>
+          <p:nvPr>
+            <p:ph idx="1"/>
+          </p:nvPr>
+        </p:nvSpPr>
+        <p:spPr/>
+        <p:txBody>
+          <a:bodyPr>
+            <a:normAutofit lnSpcReduction="10000"/>
+          </a:bodyPr>
+          <a:lstStyle/>
+          <a:p>
+            <a:pPr marL="228600" indent="-228600" algn="r" defTabSz="914400" rtl="1" eaLnBrk="1" latinLnBrk="0" hangingPunct="1">
+              <a:lnSpc>
+                <a:spcPct val="90000"/>
+              </a:lnSpc>
+              <a:spcBef>
+                <a:spcPts val="1000"/>
+              </a:spcBef>
+              <a:buFont typeface="Arial" panose="020B0604020202020204" pitchFamily="34" charset="0"/>
+              <a:buChar char="•"/>
+            </a:pPr>
+            <a:r>
+              <a:rPr lang="en-US" dirty="0"/>
+              <a:t>Fetch</a:t>
+            </a:r>
+            <a:r>
+              <a:rPr lang="he-IL" dirty="0"/>
+              <a:t> מבצע קריאה ל-</a:t>
+            </a:r>
+            <a:r>
+              <a:rPr lang="en-US" dirty="0"/>
+              <a:t>URL</a:t>
+            </a:r>
+            <a:r>
+              <a:rPr lang="he-IL" dirty="0"/>
+              <a:t> נתון ומחזיר </a:t>
+            </a:r>
+            <a:r>
+              <a:rPr lang="en-US" dirty="0"/>
+              <a:t>Promise</a:t>
+            </a:r>
+            <a:r>
+              <a:rPr lang="he-IL" dirty="0"/>
+              <a:t>, לכן גם ניתן לשרשר(</a:t>
+            </a:r>
+            <a:r>
+              <a:rPr lang="en-US" dirty="0"/>
+              <a:t>chaining</a:t>
+            </a:r>
+            <a:r>
+              <a:rPr lang="he-IL" dirty="0"/>
+              <a:t>).</a:t>
+            </a:r>
+          </a:p>
+          <a:p>
+            <a:pPr marL="228600" indent="-228600" algn="r" defTabSz="914400" rtl="1" eaLnBrk="1" latinLnBrk="0" hangingPunct="1">
+              <a:lnSpc>
+                <a:spcPct val="90000"/>
+              </a:lnSpc>
+              <a:spcBef>
+                <a:spcPts val="1000"/>
+              </a:spcBef>
+              <a:buFont typeface="Arial" panose="020B0604020202020204" pitchFamily="34" charset="0"/>
+              <a:buChar char="•"/>
+            </a:pPr>
+            <a:r>
+              <a:rPr lang="he-IL" dirty="0"/>
+              <a:t>אנו נשתמש ב-</a:t>
+            </a:r>
+            <a:r>
+              <a:rPr lang="en-US" dirty="0"/>
+              <a:t>fetch</a:t>
+            </a:r>
+            <a:r>
+              <a:rPr lang="he-IL" dirty="0"/>
+              <a:t> כדי לקרוא לנתונים בפורמט </a:t>
+            </a:r>
+            <a:r>
+              <a:rPr lang="en-US" dirty="0"/>
+              <a:t>JSON</a:t>
+            </a:r>
+            <a:r>
+              <a:rPr lang="he-IL" dirty="0"/>
+              <a:t> מהרשת.</a:t>
+            </a:r>
+          </a:p>
+          <a:p>
+            <a:pPr marL="228600" indent="-228600" algn="r" defTabSz="914400" rtl="1" eaLnBrk="1" latinLnBrk="0" hangingPunct="1">
+              <a:lnSpc>
+                <a:spcPct val="90000"/>
+              </a:lnSpc>
+              <a:spcBef>
+                <a:spcPts val="1000"/>
+              </a:spcBef>
+              <a:buFont typeface="Arial" panose="020B0604020202020204" pitchFamily="34" charset="0"/>
+              <a:buChar char="•"/>
+            </a:pPr>
+            <a:r>
+              <a:rPr lang="he-IL" dirty="0"/>
+              <a:t>סינטקס בסיסי עבור בקשה למשאבים (</a:t>
+            </a:r>
+            <a:r>
+              <a:rPr lang="en-US" dirty="0"/>
+              <a:t>GET</a:t>
+            </a:r>
+            <a:r>
+              <a:rPr lang="he-IL" dirty="0"/>
+              <a:t>) של </a:t>
+            </a:r>
+            <a:r>
+              <a:rPr lang="en-US" dirty="0"/>
+              <a:t>URL</a:t>
+            </a:r>
+            <a:r>
+              <a:rPr lang="he-IL" dirty="0"/>
+              <a:t> </a:t>
+            </a:r>
+            <a:r>
+              <a:rPr lang="he-IL" dirty="0" err="1"/>
+              <a:t>מסויים</a:t>
+            </a:r>
+            <a:r>
+              <a:rPr lang="he-IL" dirty="0"/>
+              <a:t>:</a:t>
+            </a:r>
+          </a:p>
+          <a:p>
+            <a:pPr marL="0" indent="0" defTabSz="914400" eaLnBrk="1" latinLnBrk="0" hangingPunct="1">
+              <a:lnSpc>
+                <a:spcPct val="90000"/>
+              </a:lnSpc>
+              <a:spcBef>
+                <a:spcPts val="1000"/>
+              </a:spcBef>
+              <a:buNone/>
+            </a:pPr>
+            <a:r>
+              <a:rPr lang="en-US" sz="2000" dirty="0"/>
+              <a:t>fetch(‘URL’)</a:t>
+            </a:r>
+          </a:p>
+          <a:p>
+            <a:pPr marL="0" indent="0" defTabSz="914400" eaLnBrk="1" latinLnBrk="0" hangingPunct="1">
+              <a:lnSpc>
+                <a:spcPct val="90000"/>
+              </a:lnSpc>
+              <a:spcBef>
+                <a:spcPts val="1000"/>
+              </a:spcBef>
+              <a:buNone/>
+            </a:pPr>
+            <a:r>
+              <a:rPr lang="en-US" sz="2000" dirty="0"/>
+              <a:t>.then(response =&gt; </a:t>
+            </a:r>
+            <a:r>
+              <a:rPr lang="en-US" sz="2000" dirty="0" err="1"/>
+              <a:t>response.json</a:t>
+            </a:r>
+            <a:r>
+              <a:rPr lang="en-US" sz="2000" dirty="0"/>
+              <a:t>())</a:t>
+            </a:r>
+          </a:p>
+          <a:p>
+            <a:pPr marL="0" indent="0">
+              <a:buNone/>
+            </a:pPr>
+            <a:r>
+              <a:rPr lang="en-US" sz="2000" dirty="0"/>
+              <a:t>.then(</a:t>
+            </a:r>
+            <a:r>
+              <a:rPr lang="en-US" sz="2000" dirty="0" err="1"/>
+              <a:t>responseJSON</a:t>
+            </a:r>
+            <a:r>
+              <a:rPr lang="en-US" sz="2000" dirty="0"/>
+              <a:t> =&gt; {</a:t>
+            </a:r>
+          </a:p>
+          <a:p>
+            <a:pPr marL="0" indent="0">
+              <a:buNone/>
+            </a:pPr>
+            <a:r>
+              <a:rPr lang="en-US" sz="2000" dirty="0"/>
+              <a:t>	</a:t>
+            </a:r>
+            <a:r>
+              <a:rPr lang="en-US" sz="2000" dirty="0" err="1"/>
+              <a:t>doSomethingWithData</a:t>
+            </a:r>
+            <a:r>
+              <a:rPr lang="en-US" sz="2000" dirty="0"/>
+              <a:t>(</a:t>
+            </a:r>
+            <a:r>
+              <a:rPr lang="en-US" sz="2000" dirty="0" err="1"/>
+              <a:t>responseJSON.data</a:t>
+            </a:r>
+            <a:r>
+              <a:rPr lang="en-US" sz="2000" dirty="0"/>
+              <a:t>));</a:t>
+            </a:r>
+          </a:p>
+          <a:p>
+            <a:pPr marL="0" indent="0">
+              <a:buNone/>
+            </a:pPr>
+            <a:r>
+              <a:rPr lang="en-US" sz="2000" dirty="0"/>
+              <a:t>}</a:t>
+            </a:r>
+          </a:p>
+          <a:p>
+            <a:pPr marL="0" indent="0">
+              <a:buNone/>
+            </a:pPr>
+            <a:r>
+              <a:rPr lang="en-US" sz="2000" dirty="0"/>
+              <a:t>.catch(err =&gt; </a:t>
+            </a:r>
+            <a:r>
+              <a:rPr lang="en-US" sz="2000" dirty="0" err="1"/>
+              <a:t>console.log</a:t>
+            </a:r>
+            <a:r>
+              <a:rPr lang="en-US" sz="2000" dirty="0"/>
+              <a:t>(err));</a:t>
+            </a:r>
+          </a:p>
+          <a:p>
+            <a:pPr marL="0" indent="0">
+              <a:buNone/>
+            </a:pPr>
+            <a:r>
+              <a:rPr lang="en-US" sz="2000" dirty="0">
+                <a:solidFill>
+                  <a:schemeClr val="bg2">
+                    <a:lumMod val="50000"/>
+                  </a:schemeClr>
+                </a:solidFill>
+              </a:rPr>
+              <a:t>(</a:t>
+            </a:r>
+            <a:r>
+              <a:rPr lang="en-US" sz="2000" dirty="0" err="1">
+                <a:solidFill>
+                  <a:schemeClr val="bg2">
+                    <a:lumMod val="50000"/>
+                  </a:schemeClr>
+                </a:solidFill>
+              </a:rPr>
+              <a:t>url</a:t>
+            </a:r>
+            <a:r>
+              <a:rPr lang="en-US" sz="2000" dirty="0">
+                <a:solidFill>
+                  <a:schemeClr val="bg2">
+                    <a:lumMod val="50000"/>
+                  </a:schemeClr>
+                </a:solidFill>
+              </a:rPr>
+              <a:t> we will use: https://</a:t>
+            </a:r>
+            <a:r>
+              <a:rPr lang="en-US" sz="2000" dirty="0" err="1">
+                <a:solidFill>
+                  <a:schemeClr val="bg2">
+                    <a:lumMod val="50000"/>
+                  </a:schemeClr>
+                </a:solidFill>
+              </a:rPr>
+              <a:t>reqres.in</a:t>
+            </a:r>
+            <a:r>
+              <a:rPr lang="en-US" sz="2000" dirty="0">
+                <a:solidFill>
+                  <a:schemeClr val="bg2">
+                    <a:lumMod val="50000"/>
+                  </a:schemeClr>
+                </a:solidFill>
+              </a:rPr>
+              <a:t>/</a:t>
+            </a:r>
+            <a:r>
+              <a:rPr lang="en-US" sz="2000" dirty="0" err="1">
+                <a:solidFill>
+                  <a:schemeClr val="bg2">
+                    <a:lumMod val="50000"/>
+                  </a:schemeClr>
+                </a:solidFill>
+              </a:rPr>
+              <a:t>api</a:t>
+            </a:r>
+            <a:r>
+              <a:rPr lang="en-US" sz="2000" dirty="0">
+                <a:solidFill>
+                  <a:schemeClr val="bg2">
+                    <a:lumMod val="50000"/>
+                  </a:schemeClr>
+                </a:solidFill>
+              </a:rPr>
+              <a:t>/</a:t>
+            </a:r>
+            <a:r>
+              <a:rPr lang="en-US" sz="2000" dirty="0" err="1">
+                <a:solidFill>
+                  <a:schemeClr val="bg2">
+                    <a:lumMod val="50000"/>
+                  </a:schemeClr>
+                </a:solidFill>
+              </a:rPr>
+              <a:t>users?page</a:t>
+            </a:r>
+            <a:r>
+              <a:rPr lang="en-US" sz="2000" dirty="0">
+                <a:solidFill>
+                  <a:schemeClr val="bg2">
+                    <a:lumMod val="50000"/>
+                  </a:schemeClr>
+                </a:solidFill>
+              </a:rPr>
+              <a:t>=2)</a:t>
+            </a:r>
+          </a:p>
+        </p:txBody>
+      </p:sp>
+      <p:sp>
+        <p:nvSpPr>
+          <p:cNvPr id="4" name="Slide Number Placeholder 3">
+            <a:extLst>
+              <a:ext uri="{FF2B5EF4-FFF2-40B4-BE49-F238E27FC236}">
+                <a16:creationId xmlns:a16="http://schemas.microsoft.com/office/drawing/2014/main" id="{5754C50D-0209-8249-91DD-4B64EC891CAD}"/>
+              </a:ext>
+            </a:extLst>
+          </p:cNvPr>
+          <p:cNvSpPr>
+            <a:spLocks noGrp="1"/>
+          </p:cNvSpPr>
+          <p:nvPr>
+            <p:ph type="sldNum" sz="quarter" idx="12"/>
+          </p:nvPr>
+        </p:nvSpPr>
+        <p:spPr/>
+        <p:txBody>
+          <a:bodyPr/>
+          <a:lstStyle/>
+          <a:p>
+            <a:fld id="{3381A582-B1E8-A44B-9521-B2DEED526DB7}" type="slidenum">
+              <a:rPr lang="en-US" smtClean="0"/>
+              <a:t>10</a:t>
+            </a:fld>
+            <a:endParaRPr lang="en-US"/>
+          </a:p>
+        </p:txBody>
+      </p:sp>
+      <p:sp>
+        <p:nvSpPr>
+          <p:cNvPr id="5" name="Oval 4">
+            <a:extLst>
+              <a:ext uri="{FF2B5EF4-FFF2-40B4-BE49-F238E27FC236}">
+                <a16:creationId xmlns:a16="http://schemas.microsoft.com/office/drawing/2014/main" id="{920A478F-A081-F44F-A0F0-EEA9B028E989}"/>
+              </a:ext>
+            </a:extLst>
+          </p:cNvPr>
+          <p:cNvSpPr/>
+          <p:nvPr/>
+        </p:nvSpPr>
+        <p:spPr>
+          <a:xfrm>
+            <a:off x="11787188" y="6356350"/>
+            <a:ext cx="258763" cy="258763"/>
+          </a:xfrm>
+          <a:prstGeom prst="ellipse">
+            <a:avLst/>
+          </a:prstGeom>
+        </p:spPr>
+        <p:style>
+          <a:lnRef idx="1">
+            <a:schemeClr val="accent2"/>
+          </a:lnRef>
+          <a:fillRef idx="3">
+            <a:schemeClr val="accent2"/>
+          </a:fillRef>
+          <a:effectRef idx="2">
+            <a:schemeClr val="accent2"/>
+          </a:effectRef>
+          <a:fontRef idx="minor">
+            <a:schemeClr val="lt1"/>
+          </a:fontRef>
+        </p:style>
+        <p:txBody>
+          <a:bodyPr rtlCol="0" anchor="ctr"/>
+          <a:lstStyle/>
+          <a:p>
+            <a:pPr algn="ctr"/>
+            <a:endParaRPr lang="en-US"/>
+          </a:p>
+        </p:txBody>
+      </p:sp>
+    </p:spTree>
+    <p:extLst>
+      <p:ext uri="{BB962C8B-B14F-4D97-AF65-F5344CB8AC3E}">
+        <p14:creationId xmlns:p14="http://schemas.microsoft.com/office/powerpoint/2010/main" val="3480156692"/>
+      </p:ext>
+    </p:extLst>
+  </p:cSld>
+  <p:clrMapOvr>
+    <a:masterClrMapping/>
+  </p:clrMapOvr>
+</p:sld>
+</file>
+
+<file path=ppt/slides/slide11.xml><?xml version="1.0" encoding="utf-8"?>
+<p:sld xmlns:a="http://schemas.openxmlformats.org/drawingml/2006/main" xmlns:r="http://schemas.openxmlformats.org/officeDocument/2006/relationships" xmlns:p="http://schemas.openxmlformats.org/presentationml/2006/main">
+  <p:cSld>
+    <p:spTree>
+      <p:nvGrpSpPr>
+        <p:cNvPr id="1" name=""/>
+        <p:cNvGrpSpPr/>
+        <p:nvPr/>
+      </p:nvGrpSpPr>
+      <p:grpSpPr>
+        <a:xfrm>
+          <a:off x="0" y="0"/>
+          <a:ext cx="0" cy="0"/>
+          <a:chOff x="0" y="0"/>
+          <a:chExt cx="0" cy="0"/>
+        </a:xfrm>
+      </p:grpSpPr>
+      <p:sp>
+        <p:nvSpPr>
+          <p:cNvPr id="2" name="Title 1">
+            <a:extLst>
+              <a:ext uri="{FF2B5EF4-FFF2-40B4-BE49-F238E27FC236}">
+                <a16:creationId xmlns:a16="http://schemas.microsoft.com/office/drawing/2014/main" id="{AFE68ABF-CA48-744C-8CFB-869CD87532A4}"/>
+              </a:ext>
+            </a:extLst>
+          </p:cNvPr>
+          <p:cNvSpPr>
+            <a:spLocks noGrp="1"/>
+          </p:cNvSpPr>
+          <p:nvPr>
+            <p:ph type="title"/>
+          </p:nvPr>
+        </p:nvSpPr>
+        <p:spPr/>
+        <p:txBody>
+          <a:bodyPr/>
+          <a:lstStyle/>
+          <a:p>
+            <a:pPr algn="r" rtl="1"/>
+            <a:r>
+              <a:rPr lang="he-IL" dirty="0"/>
+              <a:t>דוגמא</a:t>
+            </a:r>
+            <a:r>
+              <a:rPr lang="en-US" dirty="0"/>
+              <a:t>  fetch </a:t>
+            </a:r>
+          </a:p>
+        </p:txBody>
+      </p:sp>
+      <p:sp>
+        <p:nvSpPr>
+          <p:cNvPr id="3" name="Content Placeholder 2">
+            <a:extLst>
+              <a:ext uri="{FF2B5EF4-FFF2-40B4-BE49-F238E27FC236}">
+                <a16:creationId xmlns:a16="http://schemas.microsoft.com/office/drawing/2014/main" id="{88C28032-DA4C-2D46-A882-BAD18F62C22F}"/>
+              </a:ext>
+            </a:extLst>
+          </p:cNvPr>
+          <p:cNvSpPr>
+            <a:spLocks noGrp="1"/>
+          </p:cNvSpPr>
+          <p:nvPr>
+            <p:ph idx="1"/>
+          </p:nvPr>
+        </p:nvSpPr>
+        <p:spPr/>
+        <p:txBody>
+          <a:bodyPr/>
+          <a:lstStyle/>
+          <a:p>
+            <a:pPr marL="228600" indent="-228600" algn="r" defTabSz="914400" rtl="1" eaLnBrk="1" latinLnBrk="0" hangingPunct="1">
+              <a:lnSpc>
+                <a:spcPct val="90000"/>
+              </a:lnSpc>
+              <a:spcBef>
+                <a:spcPts val="1000"/>
+              </a:spcBef>
+              <a:buFont typeface="Arial" panose="020B0604020202020204" pitchFamily="34" charset="0"/>
+              <a:buChar char="•"/>
+            </a:pPr>
+            <a:r>
+              <a:rPr lang="he-IL" dirty="0"/>
+              <a:t>סינטקס כללי לבקשה אל </a:t>
+            </a:r>
+            <a:r>
+              <a:rPr lang="en-US" dirty="0"/>
+              <a:t>URL</a:t>
+            </a:r>
+            <a:r>
+              <a:rPr lang="he-IL" dirty="0"/>
+              <a:t> מסוים (</a:t>
+            </a:r>
+            <a:r>
+              <a:rPr lang="en-US" dirty="0"/>
+              <a:t>POST, DELETE, PUT</a:t>
+            </a:r>
+            <a:r>
+              <a:rPr lang="he-IL" dirty="0"/>
+              <a:t>):</a:t>
+            </a:r>
+          </a:p>
+          <a:p>
+            <a:pPr marL="0" indent="0" defTabSz="914400" eaLnBrk="1" latinLnBrk="0" hangingPunct="1">
+              <a:lnSpc>
+                <a:spcPct val="90000"/>
+              </a:lnSpc>
+              <a:spcBef>
+                <a:spcPts val="1000"/>
+              </a:spcBef>
+              <a:buNone/>
+            </a:pPr>
+            <a:r>
+              <a:rPr lang="en-US" sz="2000" dirty="0"/>
+              <a:t>Fetch(‘URL’, {</a:t>
+            </a:r>
+          </a:p>
+          <a:p>
+            <a:pPr marL="0" indent="0" defTabSz="914400" eaLnBrk="1" latinLnBrk="0" hangingPunct="1">
+              <a:lnSpc>
+                <a:spcPct val="90000"/>
+              </a:lnSpc>
+              <a:spcBef>
+                <a:spcPts val="1000"/>
+              </a:spcBef>
+              <a:buNone/>
+            </a:pPr>
+            <a:r>
+              <a:rPr lang="en-US" sz="2000" dirty="0"/>
+              <a:t>	method: ‘POST’,</a:t>
+            </a:r>
+          </a:p>
+          <a:p>
+            <a:pPr marL="0" indent="0" defTabSz="914400" eaLnBrk="1" latinLnBrk="0" hangingPunct="1">
+              <a:lnSpc>
+                <a:spcPct val="90000"/>
+              </a:lnSpc>
+              <a:spcBef>
+                <a:spcPts val="1000"/>
+              </a:spcBef>
+              <a:buNone/>
+            </a:pPr>
+            <a:r>
+              <a:rPr lang="en-US" sz="2000" dirty="0"/>
+              <a:t>	headers: {’Content-Type’: ‘application/</a:t>
+            </a:r>
+            <a:r>
+              <a:rPr lang="en-US" sz="2000" dirty="0" err="1"/>
+              <a:t>json;charset</a:t>
+            </a:r>
+            <a:r>
+              <a:rPr lang="en-US" sz="2000" dirty="0"/>
+              <a:t>=utf-8’},</a:t>
+            </a:r>
+          </a:p>
+          <a:p>
+            <a:pPr marL="0" indent="0" defTabSz="914400" eaLnBrk="1" latinLnBrk="0" hangingPunct="1">
+              <a:lnSpc>
+                <a:spcPct val="90000"/>
+              </a:lnSpc>
+              <a:spcBef>
+                <a:spcPts val="1000"/>
+              </a:spcBef>
+              <a:buNone/>
+            </a:pPr>
+            <a:r>
+              <a:rPr lang="en-US" sz="2000" dirty="0"/>
+              <a:t>	body: </a:t>
+            </a:r>
+            <a:r>
+              <a:rPr lang="en-US" sz="2000" dirty="0" err="1"/>
+              <a:t>JSON.stringify</a:t>
+            </a:r>
+            <a:r>
+              <a:rPr lang="en-US" sz="2000" dirty="0"/>
+              <a:t>(data)</a:t>
+            </a:r>
+          </a:p>
+          <a:p>
+            <a:pPr marL="0" indent="0" defTabSz="914400" eaLnBrk="1" latinLnBrk="0" hangingPunct="1">
+              <a:lnSpc>
+                <a:spcPct val="90000"/>
+              </a:lnSpc>
+              <a:spcBef>
+                <a:spcPts val="1000"/>
+              </a:spcBef>
+              <a:buNone/>
+            </a:pPr>
+            <a:r>
+              <a:rPr lang="en-US" sz="2000" dirty="0"/>
+              <a:t>})</a:t>
+            </a:r>
+          </a:p>
+          <a:p>
+            <a:pPr marL="0" indent="0" defTabSz="914400" eaLnBrk="1" latinLnBrk="0" hangingPunct="1">
+              <a:lnSpc>
+                <a:spcPct val="90000"/>
+              </a:lnSpc>
+              <a:spcBef>
+                <a:spcPts val="1000"/>
+              </a:spcBef>
+              <a:buNone/>
+            </a:pPr>
+            <a:r>
+              <a:rPr lang="en-US" sz="2000" dirty="0"/>
+              <a:t>.then(response =&gt; </a:t>
+            </a:r>
+            <a:r>
+              <a:rPr lang="en-US" sz="2000" dirty="0" err="1"/>
+              <a:t>response.json</a:t>
+            </a:r>
+            <a:r>
+              <a:rPr lang="en-US" sz="2000" dirty="0"/>
+              <a:t>())</a:t>
+            </a:r>
+          </a:p>
+          <a:p>
+            <a:pPr marL="0" indent="0">
+              <a:buNone/>
+            </a:pPr>
+            <a:r>
+              <a:rPr lang="en-US" sz="2000" dirty="0"/>
+              <a:t>.then(</a:t>
+            </a:r>
+            <a:r>
+              <a:rPr lang="en-US" sz="2000" dirty="0" err="1"/>
+              <a:t>responseJSON</a:t>
+            </a:r>
+            <a:r>
+              <a:rPr lang="en-US" sz="2000" dirty="0"/>
+              <a:t> =&gt; {</a:t>
+            </a:r>
+          </a:p>
+          <a:p>
+            <a:pPr marL="0" indent="0">
+              <a:buNone/>
+            </a:pPr>
+            <a:r>
+              <a:rPr lang="en-US" sz="2000" dirty="0"/>
+              <a:t>	</a:t>
+            </a:r>
+            <a:r>
+              <a:rPr lang="en-US" sz="2000" dirty="0" err="1"/>
+              <a:t>doSomethingWithData</a:t>
+            </a:r>
+            <a:r>
+              <a:rPr lang="en-US" sz="2000" dirty="0"/>
+              <a:t>(</a:t>
+            </a:r>
+            <a:r>
+              <a:rPr lang="en-US" sz="2000" dirty="0" err="1"/>
+              <a:t>responseJSON.data</a:t>
+            </a:r>
+            <a:r>
+              <a:rPr lang="en-US" sz="2000" dirty="0"/>
+              <a:t>));</a:t>
+            </a:r>
+          </a:p>
+          <a:p>
+            <a:pPr marL="0" indent="0">
+              <a:buNone/>
+            </a:pPr>
+            <a:r>
+              <a:rPr lang="en-US" sz="2000" dirty="0"/>
+              <a:t>}.catch(err =&gt; </a:t>
+            </a:r>
+            <a:r>
+              <a:rPr lang="en-US" sz="2000" dirty="0" err="1"/>
+              <a:t>console.log</a:t>
+            </a:r>
+            <a:r>
+              <a:rPr lang="en-US" sz="2000" dirty="0"/>
+              <a:t>(err));</a:t>
+            </a:r>
+          </a:p>
+        </p:txBody>
+      </p:sp>
+      <p:sp>
+        <p:nvSpPr>
+          <p:cNvPr id="4" name="Slide Number Placeholder 3">
+            <a:extLst>
+              <a:ext uri="{FF2B5EF4-FFF2-40B4-BE49-F238E27FC236}">
+                <a16:creationId xmlns:a16="http://schemas.microsoft.com/office/drawing/2014/main" id="{ED6A4B0C-6247-CC42-BE3E-D31E4D94CD9F}"/>
+              </a:ext>
+            </a:extLst>
+          </p:cNvPr>
+          <p:cNvSpPr>
+            <a:spLocks noGrp="1"/>
+          </p:cNvSpPr>
+          <p:nvPr>
+            <p:ph type="sldNum" sz="quarter" idx="12"/>
+          </p:nvPr>
+        </p:nvSpPr>
+        <p:spPr/>
+        <p:txBody>
+          <a:bodyPr/>
+          <a:lstStyle/>
+          <a:p>
+            <a:fld id="{3381A582-B1E8-A44B-9521-B2DEED526DB7}" type="slidenum">
+              <a:rPr lang="en-US" smtClean="0"/>
+              <a:t>11</a:t>
+            </a:fld>
+            <a:endParaRPr lang="en-US"/>
+          </a:p>
+        </p:txBody>
+      </p:sp>
+    </p:spTree>
+    <p:extLst>
+      <p:ext uri="{BB962C8B-B14F-4D97-AF65-F5344CB8AC3E}">
+        <p14:creationId xmlns:p14="http://schemas.microsoft.com/office/powerpoint/2010/main" val="2587256633"/>
+      </p:ext>
+    </p:extLst>
+  </p:cSld>
+  <p:clrMapOvr>
+    <a:masterClrMapping/>
+  </p:clrMapOvr>
+</p:sld>
+</file>
+
+<file path=ppt/slides/slide2.xml><?xml version="1.0" encoding="utf-8"?>
+<p:sld xmlns:a="http://schemas.openxmlformats.org/drawingml/2006/main" xmlns:r="http://schemas.openxmlformats.org/officeDocument/2006/relationships" xmlns:p="http://schemas.openxmlformats.org/presentationml/2006/main">
+  <p:cSld>
     <p:bg>
       <p:bgPr>
         <a:solidFill>
@@ -7046,7 +8023,7 @@
           <a:p>
             <a:fld id="{3381A582-B1E8-A44B-9521-B2DEED526DB7}" type="slidenum">
               <a:rPr lang="en-US" smtClean="0"/>
-              <a:t>1</a:t>
+              <a:t>2</a:t>
             </a:fld>
             <a:endParaRPr lang="en-US"/>
           </a:p>
@@ -7065,326 +8042,7 @@
 </p:sld>
 </file>
 
-<file path=ppt/slides/slide10.xml><?xml version="1.0" encoding="utf-8"?>
-<p:sld xmlns:a="http://schemas.openxmlformats.org/drawingml/2006/main" xmlns:r="http://schemas.openxmlformats.org/officeDocument/2006/relationships" xmlns:p="http://schemas.openxmlformats.org/presentationml/2006/main">
-  <p:cSld>
-    <p:spTree>
-      <p:nvGrpSpPr>
-        <p:cNvPr id="1" name=""/>
-        <p:cNvGrpSpPr/>
-        <p:nvPr/>
-      </p:nvGrpSpPr>
-      <p:grpSpPr>
-        <a:xfrm>
-          <a:off x="0" y="0"/>
-          <a:ext cx="0" cy="0"/>
-          <a:chOff x="0" y="0"/>
-          <a:chExt cx="0" cy="0"/>
-        </a:xfrm>
-      </p:grpSpPr>
-      <p:sp>
-        <p:nvSpPr>
-          <p:cNvPr id="2" name="Title 1">
-            <a:extLst>
-              <a:ext uri="{FF2B5EF4-FFF2-40B4-BE49-F238E27FC236}">
-                <a16:creationId xmlns:a16="http://schemas.microsoft.com/office/drawing/2014/main" id="{AFE68ABF-CA48-744C-8CFB-869CD87532A4}"/>
-              </a:ext>
-            </a:extLst>
-          </p:cNvPr>
-          <p:cNvSpPr>
-            <a:spLocks noGrp="1"/>
-          </p:cNvSpPr>
-          <p:nvPr>
-            <p:ph type="title"/>
-          </p:nvPr>
-        </p:nvSpPr>
-        <p:spPr/>
-        <p:txBody>
-          <a:bodyPr/>
-          <a:lstStyle/>
-          <a:p>
-            <a:pPr algn="r" rtl="1"/>
-            <a:r>
-              <a:rPr lang="he-IL" dirty="0"/>
-              <a:t>דוגמא</a:t>
-            </a:r>
-            <a:r>
-              <a:rPr lang="en-US" dirty="0"/>
-              <a:t>  fetch </a:t>
-            </a:r>
-          </a:p>
-        </p:txBody>
-      </p:sp>
-      <p:sp>
-        <p:nvSpPr>
-          <p:cNvPr id="3" name="Content Placeholder 2">
-            <a:extLst>
-              <a:ext uri="{FF2B5EF4-FFF2-40B4-BE49-F238E27FC236}">
-                <a16:creationId xmlns:a16="http://schemas.microsoft.com/office/drawing/2014/main" id="{88C28032-DA4C-2D46-A882-BAD18F62C22F}"/>
-              </a:ext>
-            </a:extLst>
-          </p:cNvPr>
-          <p:cNvSpPr>
-            <a:spLocks noGrp="1"/>
-          </p:cNvSpPr>
-          <p:nvPr>
-            <p:ph idx="1"/>
-          </p:nvPr>
-        </p:nvSpPr>
-        <p:spPr/>
-        <p:txBody>
-          <a:bodyPr/>
-          <a:lstStyle/>
-          <a:p>
-            <a:pPr marL="228600" indent="-228600" algn="r" defTabSz="914400" rtl="1" eaLnBrk="1" latinLnBrk="0" hangingPunct="1">
-              <a:lnSpc>
-                <a:spcPct val="90000"/>
-              </a:lnSpc>
-              <a:spcBef>
-                <a:spcPts val="1000"/>
-              </a:spcBef>
-              <a:buFont typeface="Arial" panose="020B0604020202020204" pitchFamily="34" charset="0"/>
-              <a:buChar char="•"/>
-            </a:pPr>
-            <a:r>
-              <a:rPr lang="he-IL" dirty="0"/>
-              <a:t>סינטקס כללי לבקשה אל </a:t>
-            </a:r>
-            <a:r>
-              <a:rPr lang="en-US" dirty="0"/>
-              <a:t>URL</a:t>
-            </a:r>
-            <a:r>
-              <a:rPr lang="he-IL" dirty="0"/>
-              <a:t> מסוים (</a:t>
-            </a:r>
-            <a:r>
-              <a:rPr lang="en-US" dirty="0"/>
-              <a:t>POST, DELETE, PUT</a:t>
-            </a:r>
-            <a:r>
-              <a:rPr lang="he-IL" dirty="0"/>
-              <a:t>):</a:t>
-            </a:r>
-          </a:p>
-          <a:p>
-            <a:pPr marL="0" indent="0" defTabSz="914400" eaLnBrk="1" latinLnBrk="0" hangingPunct="1">
-              <a:lnSpc>
-                <a:spcPct val="90000"/>
-              </a:lnSpc>
-              <a:spcBef>
-                <a:spcPts val="1000"/>
-              </a:spcBef>
-              <a:buNone/>
-            </a:pPr>
-            <a:r>
-              <a:rPr lang="en-US" sz="2000" dirty="0"/>
-              <a:t>Fetch(‘URL’, {</a:t>
-            </a:r>
-          </a:p>
-          <a:p>
-            <a:pPr marL="0" indent="0" defTabSz="914400" eaLnBrk="1" latinLnBrk="0" hangingPunct="1">
-              <a:lnSpc>
-                <a:spcPct val="90000"/>
-              </a:lnSpc>
-              <a:spcBef>
-                <a:spcPts val="1000"/>
-              </a:spcBef>
-              <a:buNone/>
-            </a:pPr>
-            <a:r>
-              <a:rPr lang="en-US" sz="2000" dirty="0"/>
-              <a:t>	method: ‘POST’,</a:t>
-            </a:r>
-          </a:p>
-          <a:p>
-            <a:pPr marL="0" indent="0" defTabSz="914400" eaLnBrk="1" latinLnBrk="0" hangingPunct="1">
-              <a:lnSpc>
-                <a:spcPct val="90000"/>
-              </a:lnSpc>
-              <a:spcBef>
-                <a:spcPts val="1000"/>
-              </a:spcBef>
-              <a:buNone/>
-            </a:pPr>
-            <a:r>
-              <a:rPr lang="en-US" sz="2000" dirty="0"/>
-              <a:t>	headers: {’Content-Type’: ‘application/</a:t>
-            </a:r>
-            <a:r>
-              <a:rPr lang="en-US" sz="2000" dirty="0" err="1"/>
-              <a:t>json;charset</a:t>
-            </a:r>
-            <a:r>
-              <a:rPr lang="en-US" sz="2000" dirty="0"/>
-              <a:t>=utf-8’},</a:t>
-            </a:r>
-          </a:p>
-          <a:p>
-            <a:pPr marL="0" indent="0" defTabSz="914400" eaLnBrk="1" latinLnBrk="0" hangingPunct="1">
-              <a:lnSpc>
-                <a:spcPct val="90000"/>
-              </a:lnSpc>
-              <a:spcBef>
-                <a:spcPts val="1000"/>
-              </a:spcBef>
-              <a:buNone/>
-            </a:pPr>
-            <a:r>
-              <a:rPr lang="en-US" sz="2000" dirty="0"/>
-              <a:t>	body: </a:t>
-            </a:r>
-            <a:r>
-              <a:rPr lang="en-US" sz="2000" dirty="0" err="1"/>
-              <a:t>JSON.stringify</a:t>
-            </a:r>
-            <a:r>
-              <a:rPr lang="en-US" sz="2000" dirty="0"/>
-              <a:t>(data)</a:t>
-            </a:r>
-          </a:p>
-          <a:p>
-            <a:pPr marL="0" indent="0" defTabSz="914400" eaLnBrk="1" latinLnBrk="0" hangingPunct="1">
-              <a:lnSpc>
-                <a:spcPct val="90000"/>
-              </a:lnSpc>
-              <a:spcBef>
-                <a:spcPts val="1000"/>
-              </a:spcBef>
-              <a:buNone/>
-            </a:pPr>
-            <a:r>
-              <a:rPr lang="en-US" sz="2000" dirty="0"/>
-              <a:t>})</a:t>
-            </a:r>
-          </a:p>
-          <a:p>
-            <a:pPr marL="0" indent="0" defTabSz="914400" eaLnBrk="1" latinLnBrk="0" hangingPunct="1">
-              <a:lnSpc>
-                <a:spcPct val="90000"/>
-              </a:lnSpc>
-              <a:spcBef>
-                <a:spcPts val="1000"/>
-              </a:spcBef>
-              <a:buNone/>
-            </a:pPr>
-            <a:r>
-              <a:rPr lang="en-US" sz="2000" dirty="0"/>
-              <a:t>.then(response =&gt; </a:t>
-            </a:r>
-            <a:r>
-              <a:rPr lang="en-US" sz="2000" dirty="0" err="1"/>
-              <a:t>response.json</a:t>
-            </a:r>
-            <a:r>
-              <a:rPr lang="en-US" sz="2000" dirty="0"/>
-              <a:t>())</a:t>
-            </a:r>
-          </a:p>
-          <a:p>
-            <a:pPr marL="0" indent="0">
-              <a:buNone/>
-            </a:pPr>
-            <a:r>
-              <a:rPr lang="en-US" sz="2000" dirty="0"/>
-              <a:t>.then(</a:t>
-            </a:r>
-            <a:r>
-              <a:rPr lang="en-US" sz="2000" dirty="0" err="1"/>
-              <a:t>responseJSON</a:t>
-            </a:r>
-            <a:r>
-              <a:rPr lang="en-US" sz="2000" dirty="0"/>
-              <a:t> =&gt; {</a:t>
-            </a:r>
-          </a:p>
-          <a:p>
-            <a:pPr marL="0" indent="0">
-              <a:buNone/>
-            </a:pPr>
-            <a:r>
-              <a:rPr lang="en-US" sz="2000" dirty="0"/>
-              <a:t>	</a:t>
-            </a:r>
-            <a:r>
-              <a:rPr lang="en-US" sz="2000" dirty="0" err="1"/>
-              <a:t>doSomethingWithData</a:t>
-            </a:r>
-            <a:r>
-              <a:rPr lang="en-US" sz="2000" dirty="0"/>
-              <a:t>(</a:t>
-            </a:r>
-            <a:r>
-              <a:rPr lang="en-US" sz="2000" dirty="0" err="1"/>
-              <a:t>responseJSON.data</a:t>
-            </a:r>
-            <a:r>
-              <a:rPr lang="en-US" sz="2000" dirty="0"/>
-              <a:t>));</a:t>
-            </a:r>
-          </a:p>
-          <a:p>
-            <a:pPr marL="0" indent="0">
-              <a:buNone/>
-            </a:pPr>
-            <a:r>
-              <a:rPr lang="en-US" sz="2000" dirty="0"/>
-              <a:t>}.catch(err =&gt; </a:t>
-            </a:r>
-            <a:r>
-              <a:rPr lang="en-US" sz="2000" dirty="0" err="1"/>
-              <a:t>console.log</a:t>
-            </a:r>
-            <a:r>
-              <a:rPr lang="en-US" sz="2000" dirty="0"/>
-              <a:t>(err));</a:t>
-            </a:r>
-          </a:p>
-        </p:txBody>
-      </p:sp>
-      <p:sp>
-        <p:nvSpPr>
-          <p:cNvPr id="4" name="Slide Number Placeholder 3">
-            <a:extLst>
-              <a:ext uri="{FF2B5EF4-FFF2-40B4-BE49-F238E27FC236}">
-                <a16:creationId xmlns:a16="http://schemas.microsoft.com/office/drawing/2014/main" id="{ED6A4B0C-6247-CC42-BE3E-D31E4D94CD9F}"/>
-              </a:ext>
-            </a:extLst>
-          </p:cNvPr>
-          <p:cNvSpPr>
-            <a:spLocks noGrp="1"/>
-          </p:cNvSpPr>
-          <p:nvPr>
-            <p:ph type="sldNum" sz="quarter" idx="12"/>
-          </p:nvPr>
-        </p:nvSpPr>
-        <p:spPr/>
-        <p:txBody>
-          <a:bodyPr/>
-          <a:lstStyle/>
-          <a:p>
-            <a:fld id="{3381A582-B1E8-A44B-9521-B2DEED526DB7}" type="slidenum">
-              <a:rPr lang="en-US" smtClean="0"/>
-              <a:t>10</a:t>
-            </a:fld>
-            <a:endParaRPr lang="en-US"/>
-          </a:p>
-        </p:txBody>
-      </p:sp>
-    </p:spTree>
-    <p:extLst>
-      <p:ext uri="{BB962C8B-B14F-4D97-AF65-F5344CB8AC3E}">
-        <p14:creationId xmlns:p14="http://schemas.microsoft.com/office/powerpoint/2010/main" val="2587256633"/>
-      </p:ext>
-    </p:extLst>
-  </p:cSld>
-  <p:clrMapOvr>
-    <a:masterClrMapping/>
-  </p:clrMapOvr>
-</p:sld>
-</file>
-
-<file path=ppt/slides/slide2.xml><?xml version="1.0" encoding="utf-8"?>
+<file path=ppt/slides/slide3.xml><?xml version="1.0" encoding="utf-8"?>
 <p:sld xmlns:a="http://schemas.openxmlformats.org/drawingml/2006/main" xmlns:r="http://schemas.openxmlformats.org/officeDocument/2006/relationships" xmlns:p="http://schemas.openxmlformats.org/presentationml/2006/main">
   <p:cSld>
     <p:spTree>
@@ -7594,7 +8252,7 @@
           <a:p>
             <a:fld id="{3381A582-B1E8-A44B-9521-B2DEED526DB7}" type="slidenum">
               <a:rPr lang="en-US" smtClean="0"/>
-              <a:t>2</a:t>
+              <a:t>3</a:t>
             </a:fld>
             <a:endParaRPr lang="en-US"/>
           </a:p>
@@ -7656,7 +8314,7 @@
 </p:sld>
 </file>
 
-<file path=ppt/slides/slide3.xml><?xml version="1.0" encoding="utf-8"?>
+<file path=ppt/slides/slide4.xml><?xml version="1.0" encoding="utf-8"?>
 <p:sld xmlns:a="http://schemas.openxmlformats.org/drawingml/2006/main" xmlns:r="http://schemas.openxmlformats.org/officeDocument/2006/relationships" xmlns:p="http://schemas.openxmlformats.org/presentationml/2006/main">
   <p:cSld>
     <p:spTree>
@@ -7811,7 +8469,7 @@
           <a:p>
             <a:fld id="{3381A582-B1E8-A44B-9521-B2DEED526DB7}" type="slidenum">
               <a:rPr lang="en-US" smtClean="0"/>
-              <a:t>3</a:t>
+              <a:t>4</a:t>
             </a:fld>
             <a:endParaRPr lang="en-US"/>
           </a:p>
@@ -7911,7 +8569,7 @@
 </p:sld>
 </file>
 
-<file path=ppt/slides/slide4.xml><?xml version="1.0" encoding="utf-8"?>
+<file path=ppt/slides/slide5.xml><?xml version="1.0" encoding="utf-8"?>
 <p:sld xmlns:a="http://schemas.openxmlformats.org/drawingml/2006/main" xmlns:r="http://schemas.openxmlformats.org/officeDocument/2006/relationships" xmlns:p="http://schemas.openxmlformats.org/presentationml/2006/main">
   <p:cSld>
     <p:bg>
@@ -11012,7 +11670,7 @@
           <a:p>
             <a:fld id="{3381A582-B1E8-A44B-9521-B2DEED526DB7}" type="slidenum">
               <a:rPr lang="en-US" smtClean="0"/>
-              <a:t>4</a:t>
+              <a:t>5</a:t>
             </a:fld>
             <a:endParaRPr lang="en-US"/>
           </a:p>
@@ -11031,7 +11689,7 @@
 </p:sld>
 </file>
 
-<file path=ppt/slides/slide5.xml><?xml version="1.0" encoding="utf-8"?>
+<file path=ppt/slides/slide6.xml><?xml version="1.0" encoding="utf-8"?>
 <p:sld xmlns:a="http://schemas.openxmlformats.org/drawingml/2006/main" xmlns:r="http://schemas.openxmlformats.org/officeDocument/2006/relationships" xmlns:p="http://schemas.openxmlformats.org/presentationml/2006/main">
   <p:cSld>
     <p:spTree>
@@ -11239,7 +11897,7 @@
           <a:p>
             <a:fld id="{3381A582-B1E8-A44B-9521-B2DEED526DB7}" type="slidenum">
               <a:rPr lang="en-US" smtClean="0"/>
-              <a:t>5</a:t>
+              <a:t>6</a:t>
             </a:fld>
             <a:endParaRPr lang="en-US"/>
           </a:p>
@@ -11302,7 +11960,7 @@
 </p:sld>
 </file>
 
-<file path=ppt/slides/slide6.xml><?xml version="1.0" encoding="utf-8"?>
+<file path=ppt/slides/slide7.xml><?xml version="1.0" encoding="utf-8"?>
 <p:sld xmlns:a="http://schemas.openxmlformats.org/drawingml/2006/main" xmlns:r="http://schemas.openxmlformats.org/officeDocument/2006/relationships" xmlns:p="http://schemas.openxmlformats.org/presentationml/2006/main">
   <p:cSld>
     <p:spTree>
@@ -11527,7 +12185,7 @@
           <a:p>
             <a:fld id="{3381A582-B1E8-A44B-9521-B2DEED526DB7}" type="slidenum">
               <a:rPr lang="en-US" smtClean="0"/>
-              <a:t>6</a:t>
+              <a:t>7</a:t>
             </a:fld>
             <a:endParaRPr lang="en-US"/>
           </a:p>
@@ -11590,7 +12248,7 @@
 </p:sld>
 </file>
 
-<file path=ppt/slides/slide7.xml><?xml version="1.0" encoding="utf-8"?>
+<file path=ppt/slides/slide8.xml><?xml version="1.0" encoding="utf-8"?>
 <p:sld xmlns:a="http://schemas.openxmlformats.org/drawingml/2006/main" xmlns:r="http://schemas.openxmlformats.org/officeDocument/2006/relationships" xmlns:p="http://schemas.openxmlformats.org/presentationml/2006/main">
   <p:cSld>
     <p:bg>
@@ -14691,7 +15349,7 @@
           <a:p>
             <a:fld id="{3381A582-B1E8-A44B-9521-B2DEED526DB7}" type="slidenum">
               <a:rPr lang="en-US" smtClean="0"/>
-              <a:t>7</a:t>
+              <a:t>8</a:t>
             </a:fld>
             <a:endParaRPr lang="en-US"/>
           </a:p>
@@ -14710,7 +15368,7 @@
 </p:sld>
 </file>
 
-<file path=ppt/slides/slide8.xml><?xml version="1.0" encoding="utf-8"?>
+<file path=ppt/slides/slide9.xml><?xml version="1.0" encoding="utf-8"?>
 <p:sld xmlns:a="http://schemas.openxmlformats.org/drawingml/2006/main" xmlns:r="http://schemas.openxmlformats.org/officeDocument/2006/relationships" xmlns:p="http://schemas.openxmlformats.org/presentationml/2006/main">
   <p:cSld>
     <p:spTree>
@@ -14924,7 +15582,7 @@
           <a:p>
             <a:fld id="{3381A582-B1E8-A44B-9521-B2DEED526DB7}" type="slidenum">
               <a:rPr lang="en-US" smtClean="0"/>
-              <a:t>8</a:t>
+              <a:t>9</a:t>
             </a:fld>
             <a:endParaRPr lang="en-US"/>
           </a:p>
@@ -14982,508 +15640,6 @@
     <p:extLst>
       <p:ext uri="{BB962C8B-B14F-4D97-AF65-F5344CB8AC3E}">
         <p14:creationId xmlns:p14="http://schemas.microsoft.com/office/powerpoint/2010/main" val="159310085"/>
-      </p:ext>
-    </p:extLst>
-  </p:cSld>
-  <p:clrMapOvr>
-    <a:masterClrMapping/>
-  </p:clrMapOvr>
-</p:sld>
-</file>
-
-<file path=ppt/slides/slide9.xml><?xml version="1.0" encoding="utf-8"?>
-<p:sld xmlns:a="http://schemas.openxmlformats.org/drawingml/2006/main" xmlns:r="http://schemas.openxmlformats.org/officeDocument/2006/relationships" xmlns:p="http://schemas.openxmlformats.org/presentationml/2006/main">
-  <p:cSld>
-    <p:spTree>
-      <p:nvGrpSpPr>
-        <p:cNvPr id="1" name=""/>
-        <p:cNvGrpSpPr/>
-        <p:nvPr/>
-      </p:nvGrpSpPr>
-      <p:grpSpPr>
-        <a:xfrm>
-          <a:off x="0" y="0"/>
-          <a:ext cx="0" cy="0"/>
-          <a:chOff x="0" y="0"/>
-          <a:chExt cx="0" cy="0"/>
-        </a:xfrm>
-      </p:grpSpPr>
-      <p:sp>
-        <p:nvSpPr>
-          <p:cNvPr id="2" name="Title 1">
-            <a:extLst>
-              <a:ext uri="{FF2B5EF4-FFF2-40B4-BE49-F238E27FC236}">
-                <a16:creationId xmlns:a16="http://schemas.microsoft.com/office/drawing/2014/main" id="{AFE68ABF-CA48-744C-8CFB-869CD87532A4}"/>
-              </a:ext>
-            </a:extLst>
-          </p:cNvPr>
-          <p:cNvSpPr>
-            <a:spLocks noGrp="1"/>
-          </p:cNvSpPr>
-          <p:nvPr>
-            <p:ph type="title"/>
-          </p:nvPr>
-        </p:nvSpPr>
-        <p:spPr/>
-        <p:txBody>
-          <a:bodyPr/>
-          <a:lstStyle/>
-          <a:p>
-            <a:pPr algn="r" rtl="1"/>
-            <a:r>
-              <a:rPr lang="he-IL" dirty="0"/>
-              <a:t>דוגמא</a:t>
-            </a:r>
-            <a:r>
-              <a:rPr lang="en-US" dirty="0"/>
-              <a:t>  fetch </a:t>
-            </a:r>
-            <a:r>
-              <a:rPr lang="he-IL" dirty="0"/>
-              <a:t>– </a:t>
-            </a:r>
-            <a:r>
-              <a:rPr lang="he-IL" sz="2800" dirty="0"/>
-              <a:t>(</a:t>
-            </a:r>
-            <a:r>
-              <a:rPr lang="en-US" sz="2800" dirty="0" err="1"/>
-              <a:t>fetch_example.html</a:t>
-            </a:r>
-            <a:r>
-              <a:rPr lang="en-US" sz="2800" dirty="0"/>
-              <a:t> + </a:t>
-            </a:r>
-            <a:r>
-              <a:rPr lang="en-US" sz="2800" dirty="0" err="1"/>
-              <a:t>fetch_example.js</a:t>
-            </a:r>
-            <a:r>
-              <a:rPr lang="he-IL" sz="2800" dirty="0"/>
-              <a:t>)</a:t>
-            </a:r>
-            <a:endParaRPr lang="en-US" dirty="0"/>
-          </a:p>
-        </p:txBody>
-      </p:sp>
-      <p:sp>
-        <p:nvSpPr>
-          <p:cNvPr id="3" name="Content Placeholder 2">
-            <a:extLst>
-              <a:ext uri="{FF2B5EF4-FFF2-40B4-BE49-F238E27FC236}">
-                <a16:creationId xmlns:a16="http://schemas.microsoft.com/office/drawing/2014/main" id="{88C28032-DA4C-2D46-A882-BAD18F62C22F}"/>
-              </a:ext>
-            </a:extLst>
-          </p:cNvPr>
-          <p:cNvSpPr>
-            <a:spLocks noGrp="1"/>
-          </p:cNvSpPr>
-          <p:nvPr>
-            <p:ph idx="1"/>
-          </p:nvPr>
-        </p:nvSpPr>
-        <p:spPr/>
-        <p:txBody>
-          <a:bodyPr>
-            <a:normAutofit lnSpcReduction="10000"/>
-          </a:bodyPr>
-          <a:lstStyle/>
-          <a:p>
-            <a:pPr marL="228600" indent="-228600" algn="r" defTabSz="914400" rtl="1" eaLnBrk="1" latinLnBrk="0" hangingPunct="1">
-              <a:lnSpc>
-                <a:spcPct val="90000"/>
-              </a:lnSpc>
-              <a:spcBef>
-                <a:spcPts val="1000"/>
-              </a:spcBef>
-              <a:buFont typeface="Arial" panose="020B0604020202020204" pitchFamily="34" charset="0"/>
-              <a:buChar char="•"/>
-            </a:pPr>
-            <a:r>
-              <a:rPr lang="en-US" dirty="0"/>
-              <a:t>Fetch</a:t>
-            </a:r>
-            <a:r>
-              <a:rPr lang="he-IL" dirty="0"/>
-              <a:t> מבצע קריאה ל-</a:t>
-            </a:r>
-            <a:r>
-              <a:rPr lang="en-US" dirty="0"/>
-              <a:t>URL</a:t>
-            </a:r>
-            <a:r>
-              <a:rPr lang="he-IL" dirty="0"/>
-              <a:t> נתון ומחזיר </a:t>
-            </a:r>
-            <a:r>
-              <a:rPr lang="en-US" dirty="0"/>
-              <a:t>Promise</a:t>
-            </a:r>
-            <a:r>
-              <a:rPr lang="he-IL" dirty="0"/>
-              <a:t>, לכן גם ניתן לשרשר(</a:t>
-            </a:r>
-            <a:r>
-              <a:rPr lang="en-US" dirty="0"/>
-              <a:t>chaining</a:t>
-            </a:r>
-            <a:r>
-              <a:rPr lang="he-IL" dirty="0"/>
-              <a:t>).</a:t>
-            </a:r>
-          </a:p>
-          <a:p>
-            <a:pPr marL="228600" indent="-228600" algn="r" defTabSz="914400" rtl="1" eaLnBrk="1" latinLnBrk="0" hangingPunct="1">
-              <a:lnSpc>
-                <a:spcPct val="90000"/>
-              </a:lnSpc>
-              <a:spcBef>
-                <a:spcPts val="1000"/>
-              </a:spcBef>
-              <a:buFont typeface="Arial" panose="020B0604020202020204" pitchFamily="34" charset="0"/>
-              <a:buChar char="•"/>
-            </a:pPr>
-            <a:r>
-              <a:rPr lang="he-IL" dirty="0"/>
-              <a:t>אנו נשתמש ב-</a:t>
-            </a:r>
-            <a:r>
-              <a:rPr lang="en-US" dirty="0"/>
-              <a:t>fetch</a:t>
-            </a:r>
-            <a:r>
-              <a:rPr lang="he-IL" dirty="0"/>
-              <a:t> כדי לקרוא לנתונים בפורמט </a:t>
-            </a:r>
-            <a:r>
-              <a:rPr lang="en-US" dirty="0"/>
-              <a:t>JSON</a:t>
-            </a:r>
-            <a:r>
-              <a:rPr lang="he-IL" dirty="0"/>
-              <a:t> מהרשת.</a:t>
-            </a:r>
-          </a:p>
-          <a:p>
-            <a:pPr marL="228600" indent="-228600" algn="r" defTabSz="914400" rtl="1" eaLnBrk="1" latinLnBrk="0" hangingPunct="1">
-              <a:lnSpc>
-                <a:spcPct val="90000"/>
-              </a:lnSpc>
-              <a:spcBef>
-                <a:spcPts val="1000"/>
-              </a:spcBef>
-              <a:buFont typeface="Arial" panose="020B0604020202020204" pitchFamily="34" charset="0"/>
-              <a:buChar char="•"/>
-            </a:pPr>
-            <a:r>
-              <a:rPr lang="he-IL" dirty="0"/>
-              <a:t>סינטקס בסיסי עבור בקשה למשאבים (</a:t>
-            </a:r>
-            <a:r>
-              <a:rPr lang="en-US" dirty="0"/>
-              <a:t>GET</a:t>
-            </a:r>
-            <a:r>
-              <a:rPr lang="he-IL" dirty="0"/>
-              <a:t>) של </a:t>
-            </a:r>
-            <a:r>
-              <a:rPr lang="en-US" dirty="0"/>
-              <a:t>URL</a:t>
-            </a:r>
-            <a:r>
-              <a:rPr lang="he-IL" dirty="0"/>
-              <a:t> </a:t>
-            </a:r>
-            <a:r>
-              <a:rPr lang="he-IL" dirty="0" err="1"/>
-              <a:t>מסויים</a:t>
-            </a:r>
-            <a:r>
-              <a:rPr lang="he-IL" dirty="0"/>
-              <a:t>:</a:t>
-            </a:r>
-          </a:p>
-          <a:p>
-            <a:pPr marL="0" indent="0" defTabSz="914400" eaLnBrk="1" latinLnBrk="0" hangingPunct="1">
-              <a:lnSpc>
-                <a:spcPct val="90000"/>
-              </a:lnSpc>
-              <a:spcBef>
-                <a:spcPts val="1000"/>
-              </a:spcBef>
-              <a:buNone/>
-            </a:pPr>
-            <a:r>
-              <a:rPr lang="en-US" sz="2000" dirty="0"/>
-              <a:t>fetch(‘URL’)</a:t>
-            </a:r>
-          </a:p>
-          <a:p>
-            <a:pPr marL="0" indent="0" defTabSz="914400" eaLnBrk="1" latinLnBrk="0" hangingPunct="1">
-              <a:lnSpc>
-                <a:spcPct val="90000"/>
-              </a:lnSpc>
-              <a:spcBef>
-                <a:spcPts val="1000"/>
-              </a:spcBef>
-              <a:buNone/>
-            </a:pPr>
-            <a:r>
-              <a:rPr lang="en-US" sz="2000" dirty="0"/>
-              <a:t>.then(response =&gt; </a:t>
-            </a:r>
-            <a:r>
-              <a:rPr lang="en-US" sz="2000" dirty="0" err="1"/>
-              <a:t>response.json</a:t>
-            </a:r>
-            <a:r>
-              <a:rPr lang="en-US" sz="2000" dirty="0"/>
-              <a:t>())</a:t>
-            </a:r>
-          </a:p>
-          <a:p>
-            <a:pPr marL="0" indent="0">
-              <a:buNone/>
-            </a:pPr>
-            <a:r>
-              <a:rPr lang="en-US" sz="2000" dirty="0"/>
-              <a:t>.then(</a:t>
-            </a:r>
-            <a:r>
-              <a:rPr lang="en-US" sz="2000" dirty="0" err="1"/>
-              <a:t>responseJSON</a:t>
-            </a:r>
-            <a:r>
-              <a:rPr lang="en-US" sz="2000" dirty="0"/>
-              <a:t> =&gt; {</a:t>
-            </a:r>
-          </a:p>
-          <a:p>
-            <a:pPr marL="0" indent="0">
-              <a:buNone/>
-            </a:pPr>
-            <a:r>
-              <a:rPr lang="en-US" sz="2000" dirty="0"/>
-              <a:t>	</a:t>
-            </a:r>
-            <a:r>
-              <a:rPr lang="en-US" sz="2000" dirty="0" err="1"/>
-              <a:t>doSomethingWithData</a:t>
-            </a:r>
-            <a:r>
-              <a:rPr lang="en-US" sz="2000" dirty="0"/>
-              <a:t>(</a:t>
-            </a:r>
-            <a:r>
-              <a:rPr lang="en-US" sz="2000" dirty="0" err="1"/>
-              <a:t>responseJSON.data</a:t>
-            </a:r>
-            <a:r>
-              <a:rPr lang="en-US" sz="2000" dirty="0"/>
-              <a:t>));</a:t>
-            </a:r>
-          </a:p>
-          <a:p>
-            <a:pPr marL="0" indent="0">
-              <a:buNone/>
-            </a:pPr>
-            <a:r>
-              <a:rPr lang="en-US" sz="2000" dirty="0"/>
-              <a:t>}</a:t>
-            </a:r>
-          </a:p>
-          <a:p>
-            <a:pPr marL="0" indent="0">
-              <a:buNone/>
-            </a:pPr>
-            <a:r>
-              <a:rPr lang="en-US" sz="2000" dirty="0"/>
-              <a:t>.catch(err =&gt; </a:t>
-            </a:r>
-            <a:r>
-              <a:rPr lang="en-US" sz="2000" dirty="0" err="1"/>
-              <a:t>console.log</a:t>
-            </a:r>
-            <a:r>
-              <a:rPr lang="en-US" sz="2000" dirty="0"/>
-              <a:t>(err));</a:t>
-            </a:r>
-          </a:p>
-          <a:p>
-            <a:pPr marL="0" indent="0">
-              <a:buNone/>
-            </a:pPr>
-            <a:r>
-              <a:rPr lang="en-US" sz="2000" dirty="0">
-                <a:solidFill>
-                  <a:schemeClr val="bg2">
-                    <a:lumMod val="50000"/>
-                  </a:schemeClr>
-                </a:solidFill>
-              </a:rPr>
-              <a:t>(</a:t>
-            </a:r>
-            <a:r>
-              <a:rPr lang="en-US" sz="2000" dirty="0" err="1">
-                <a:solidFill>
-                  <a:schemeClr val="bg2">
-                    <a:lumMod val="50000"/>
-                  </a:schemeClr>
-                </a:solidFill>
-              </a:rPr>
-              <a:t>url</a:t>
-            </a:r>
-            <a:r>
-              <a:rPr lang="en-US" sz="2000" dirty="0">
-                <a:solidFill>
-                  <a:schemeClr val="bg2">
-                    <a:lumMod val="50000"/>
-                  </a:schemeClr>
-                </a:solidFill>
-              </a:rPr>
-              <a:t> we will use: https://</a:t>
-            </a:r>
-            <a:r>
-              <a:rPr lang="en-US" sz="2000" dirty="0" err="1">
-                <a:solidFill>
-                  <a:schemeClr val="bg2">
-                    <a:lumMod val="50000"/>
-                  </a:schemeClr>
-                </a:solidFill>
-              </a:rPr>
-              <a:t>reqres.in</a:t>
-            </a:r>
-            <a:r>
-              <a:rPr lang="en-US" sz="2000" dirty="0">
-                <a:solidFill>
-                  <a:schemeClr val="bg2">
-                    <a:lumMod val="50000"/>
-                  </a:schemeClr>
-                </a:solidFill>
-              </a:rPr>
-              <a:t>/</a:t>
-            </a:r>
-            <a:r>
-              <a:rPr lang="en-US" sz="2000" dirty="0" err="1">
-                <a:solidFill>
-                  <a:schemeClr val="bg2">
-                    <a:lumMod val="50000"/>
-                  </a:schemeClr>
-                </a:solidFill>
-              </a:rPr>
-              <a:t>api</a:t>
-            </a:r>
-            <a:r>
-              <a:rPr lang="en-US" sz="2000" dirty="0">
-                <a:solidFill>
-                  <a:schemeClr val="bg2">
-                    <a:lumMod val="50000"/>
-                  </a:schemeClr>
-                </a:solidFill>
-              </a:rPr>
-              <a:t>/</a:t>
-            </a:r>
-            <a:r>
-              <a:rPr lang="en-US" sz="2000" dirty="0" err="1">
-                <a:solidFill>
-                  <a:schemeClr val="bg2">
-                    <a:lumMod val="50000"/>
-                  </a:schemeClr>
-                </a:solidFill>
-              </a:rPr>
-              <a:t>users?page</a:t>
-            </a:r>
-            <a:r>
-              <a:rPr lang="en-US" sz="2000" dirty="0">
-                <a:solidFill>
-                  <a:schemeClr val="bg2">
-                    <a:lumMod val="50000"/>
-                  </a:schemeClr>
-                </a:solidFill>
-              </a:rPr>
-              <a:t>=2)</a:t>
-            </a:r>
-          </a:p>
-        </p:txBody>
-      </p:sp>
-      <p:sp>
-        <p:nvSpPr>
-          <p:cNvPr id="4" name="Slide Number Placeholder 3">
-            <a:extLst>
-              <a:ext uri="{FF2B5EF4-FFF2-40B4-BE49-F238E27FC236}">
-                <a16:creationId xmlns:a16="http://schemas.microsoft.com/office/drawing/2014/main" id="{5754C50D-0209-8249-91DD-4B64EC891CAD}"/>
-              </a:ext>
-            </a:extLst>
-          </p:cNvPr>
-          <p:cNvSpPr>
-            <a:spLocks noGrp="1"/>
-          </p:cNvSpPr>
-          <p:nvPr>
-            <p:ph type="sldNum" sz="quarter" idx="12"/>
-          </p:nvPr>
-        </p:nvSpPr>
-        <p:spPr/>
-        <p:txBody>
-          <a:bodyPr/>
-          <a:lstStyle/>
-          <a:p>
-            <a:fld id="{3381A582-B1E8-A44B-9521-B2DEED526DB7}" type="slidenum">
-              <a:rPr lang="en-US" smtClean="0"/>
-              <a:t>9</a:t>
-            </a:fld>
-            <a:endParaRPr lang="en-US"/>
-          </a:p>
-        </p:txBody>
-      </p:sp>
-      <p:sp>
-        <p:nvSpPr>
-          <p:cNvPr id="5" name="Oval 4">
-            <a:extLst>
-              <a:ext uri="{FF2B5EF4-FFF2-40B4-BE49-F238E27FC236}">
-                <a16:creationId xmlns:a16="http://schemas.microsoft.com/office/drawing/2014/main" id="{920A478F-A081-F44F-A0F0-EEA9B028E989}"/>
-              </a:ext>
-            </a:extLst>
-          </p:cNvPr>
-          <p:cNvSpPr/>
-          <p:nvPr/>
-        </p:nvSpPr>
-        <p:spPr>
-          <a:xfrm>
-            <a:off x="11787188" y="6356350"/>
-            <a:ext cx="258763" cy="258763"/>
-          </a:xfrm>
-          <a:prstGeom prst="ellipse">
-            <a:avLst/>
-          </a:prstGeom>
-        </p:spPr>
-        <p:style>
-          <a:lnRef idx="1">
-            <a:schemeClr val="accent2"/>
-          </a:lnRef>
-          <a:fillRef idx="3">
-            <a:schemeClr val="accent2"/>
-          </a:fillRef>
-          <a:effectRef idx="2">
-            <a:schemeClr val="accent2"/>
-          </a:effectRef>
-          <a:fontRef idx="minor">
-            <a:schemeClr val="lt1"/>
-          </a:fontRef>
-        </p:style>
-        <p:txBody>
-          <a:bodyPr rtlCol="0" anchor="ctr"/>
-          <a:lstStyle/>
-          <a:p>
-            <a:pPr algn="ctr"/>
-            <a:endParaRPr lang="en-US"/>
-          </a:p>
-        </p:txBody>
-      </p:sp>
-    </p:spTree>
-    <p:extLst>
-      <p:ext uri="{BB962C8B-B14F-4D97-AF65-F5344CB8AC3E}">
-        <p14:creationId xmlns:p14="http://schemas.microsoft.com/office/powerpoint/2010/main" val="3480156692"/>
       </p:ext>
     </p:extLst>
   </p:cSld>
